--- a/kubernetes/07_service_accounts.pptx
+++ b/kubernetes/07_service_accounts.pptx
@@ -5,16 +5,17 @@
     <p:sldMasterId id="2147483733" r:id="rId1"/>
   </p:sldMasterIdLst>
   <p:notesMasterIdLst>
-    <p:notesMasterId r:id="rId6"/>
+    <p:notesMasterId r:id="rId7"/>
   </p:notesMasterIdLst>
   <p:handoutMasterIdLst>
-    <p:handoutMasterId r:id="rId7"/>
+    <p:handoutMasterId r:id="rId8"/>
   </p:handoutMasterIdLst>
   <p:sldIdLst>
     <p:sldId id="433" r:id="rId2"/>
     <p:sldId id="442" r:id="rId3"/>
     <p:sldId id="443" r:id="rId4"/>
-    <p:sldId id="265" r:id="rId5"/>
+    <p:sldId id="444" r:id="rId5"/>
+    <p:sldId id="265" r:id="rId6"/>
   </p:sldIdLst>
   <p:sldSz cx="12195175" cy="6858000"/>
   <p:notesSz cx="6858000" cy="9144000"/>
@@ -808,7 +809,7 @@
             <a:fld id="{7D8C2C35-2B8A-446E-BEC0-FD36716C29AC}" type="slidenum">
               <a:rPr lang="en-US" smtClean="0"/>
               <a:pPr/>
-              <a:t>4</a:t>
+              <a:t>5</a:t>
             </a:fld>
             <a:endParaRPr lang="en-US" dirty="0"/>
           </a:p>
@@ -15068,7 +15069,6 @@
               <a:rPr lang="en-US" dirty="0"/>
               <a:t>Bindings: cluster-wide or restricted to namespace </a:t>
             </a:r>
-            <a:endParaRPr lang="en-US" dirty="0"/>
           </a:p>
         </p:txBody>
       </p:sp>
@@ -15787,6 +15787,117 @@
 </file>
 
 <file path=ppt/slides/slide4.xml><?xml version="1.0" encoding="utf-8"?>
+<p:sld xmlns:a="http://schemas.openxmlformats.org/drawingml/2006/main" xmlns:r="http://schemas.openxmlformats.org/officeDocument/2006/relationships" xmlns:p="http://schemas.openxmlformats.org/presentationml/2006/main" show="0">
+  <p:cSld>
+    <p:spTree>
+      <p:nvGrpSpPr>
+        <p:cNvPr id="1" name=""/>
+        <p:cNvGrpSpPr/>
+        <p:nvPr/>
+      </p:nvGrpSpPr>
+      <p:grpSpPr>
+        <a:xfrm>
+          <a:off x="0" y="0"/>
+          <a:ext cx="0" cy="0"/>
+          <a:chOff x="0" y="0"/>
+          <a:chExt cx="0" cy="0"/>
+        </a:xfrm>
+      </p:grpSpPr>
+      <p:sp>
+        <p:nvSpPr>
+          <p:cNvPr id="4" name="Text Placeholder 3"/>
+          <p:cNvSpPr>
+            <a:spLocks noGrp="1"/>
+          </p:cNvSpPr>
+          <p:nvPr>
+            <p:ph type="body" sz="quarter" idx="10"/>
+          </p:nvPr>
+        </p:nvSpPr>
+        <p:spPr/>
+        <p:txBody>
+          <a:bodyPr/>
+          <a:lstStyle/>
+          <a:p>
+            <a:pPr marL="342900" indent="-342900">
+              <a:buFontTx/>
+              <a:buChar char="-"/>
+            </a:pPr>
+            <a:r>
+              <a:rPr lang="en-US" dirty="0"/>
+              <a:t>Show service accounts</a:t>
+            </a:r>
+          </a:p>
+          <a:p>
+            <a:pPr marL="342900" indent="-342900">
+              <a:buFontTx/>
+              <a:buChar char="-"/>
+            </a:pPr>
+            <a:r>
+              <a:rPr lang="en-US" dirty="0"/>
+              <a:t>Create a new service account &amp; show created token</a:t>
+            </a:r>
+          </a:p>
+          <a:p>
+            <a:pPr marL="342900" indent="-342900">
+              <a:buFontTx/>
+              <a:buChar char="-"/>
+            </a:pPr>
+            <a:r>
+              <a:rPr lang="en-US" dirty="0"/>
+              <a:t>Show </a:t>
+            </a:r>
+            <a:r>
+              <a:rPr lang="en-US" dirty="0" err="1"/>
+              <a:t>clusterroles</a:t>
+            </a:r>
+            <a:r>
+              <a:rPr lang="en-US" dirty="0"/>
+              <a:t> &amp; </a:t>
+            </a:r>
+            <a:r>
+              <a:rPr lang="en-US" dirty="0" err="1"/>
+              <a:t>rolebindings</a:t>
+            </a:r>
+            <a:endParaRPr lang="en-US" dirty="0"/>
+          </a:p>
+        </p:txBody>
+      </p:sp>
+      <p:sp>
+        <p:nvSpPr>
+          <p:cNvPr id="3" name="Title 2"/>
+          <p:cNvSpPr>
+            <a:spLocks noGrp="1"/>
+          </p:cNvSpPr>
+          <p:nvPr>
+            <p:ph type="title"/>
+          </p:nvPr>
+        </p:nvSpPr>
+        <p:spPr/>
+        <p:txBody>
+          <a:bodyPr/>
+          <a:lstStyle/>
+          <a:p>
+            <a:r>
+              <a:rPr lang="en-US" dirty="0"/>
+              <a:t>Demo</a:t>
+            </a:r>
+          </a:p>
+        </p:txBody>
+      </p:sp>
+    </p:spTree>
+    <p:extLst>
+      <p:ext uri="{BB962C8B-B14F-4D97-AF65-F5344CB8AC3E}">
+        <p14:creationId xmlns:p14="http://schemas.microsoft.com/office/powerpoint/2010/main" val="684979928"/>
+      </p:ext>
+    </p:extLst>
+  </p:cSld>
+  <p:clrMapOvr>
+    <a:masterClrMapping/>
+  </p:clrMapOvr>
+</p:sld>
+</file>
+
+<file path=ppt/slides/slide5.xml><?xml version="1.0" encoding="utf-8"?>
 <p:sld xmlns:a="http://schemas.openxmlformats.org/drawingml/2006/main" xmlns:r="http://schemas.openxmlformats.org/officeDocument/2006/relationships" xmlns:p="http://schemas.openxmlformats.org/presentationml/2006/main" show="0">
   <p:cSld>
     <p:spTree>
